--- a/study/ppt/[스터디]2.5신뢰구간_KDH.pptx
+++ b/study/ppt/[스터디]2.5신뢰구간_KDH.pptx
@@ -308,7 +308,7 @@
       </p15:sldGuideLst>
     </p:ext>
     <p:ext uri="http://customooxmlschemas.google.com/">
-      <go:slidesCustomData xmlns:go="http://customooxmlschemas.google.com/" xmlns:p15="http://schemas.microsoft.com/office/powerpoint/2012/main" xmlns:p14="http://schemas.microsoft.com/office/powerpoint/2010/main" xmlns:com="http://schemas.openxmlformats.org/drawingml/2006/compatibility" xmlns:pvml="urn:schemas-microsoft-com:office:powerpoint" xmlns:v="urn:schemas-microsoft-com:vml" xmlns:o="urn:schemas-microsoft-com:office:office" xmlns:dgm="http://schemas.openxmlformats.org/drawingml/2006/diagram" xmlns:c="http://schemas.openxmlformats.org/drawingml/2006/chart" xmlns:mv="urn:schemas-microsoft-com:mac:vml" xmlns:mc="http://schemas.openxmlformats.org/markup-compatibility/2006" xmlns="" r:id="rId10" roundtripDataSignature="AMtx7mhva3UHPhQA4WbyUQCroSE+7w+SGg=="/>
+      <go:slidesCustomData xmlns="" xmlns:mc="http://schemas.openxmlformats.org/markup-compatibility/2006" xmlns:mv="urn:schemas-microsoft-com:mac:vml" xmlns:c="http://schemas.openxmlformats.org/drawingml/2006/chart" xmlns:dgm="http://schemas.openxmlformats.org/drawingml/2006/diagram" xmlns:o="urn:schemas-microsoft-com:office:office" xmlns:v="urn:schemas-microsoft-com:vml" xmlns:pvml="urn:schemas-microsoft-com:office:powerpoint" xmlns:com="http://schemas.openxmlformats.org/drawingml/2006/compatibility" xmlns:p14="http://schemas.microsoft.com/office/powerpoint/2010/main" xmlns:p15="http://schemas.microsoft.com/office/powerpoint/2012/main" xmlns:go="http://customooxmlschemas.google.com/" r:id="rId10" roundtripDataSignature="AMtx7mhva3UHPhQA4WbyUQCroSE+7w+SGg=="/>
     </p:ext>
   </p:extLst>
 </p:presentation>
@@ -4496,8 +4496,8 @@
           </a:p>
         </p:txBody>
       </p:sp>
-      <mc:AlternateContent xmlns:mc="http://schemas.openxmlformats.org/markup-compatibility/2006">
-        <mc:Choice xmlns:a14="http://schemas.microsoft.com/office/drawing/2010/main" Requires="a14">
+      <mc:AlternateContent xmlns:mc="http://schemas.openxmlformats.org/markup-compatibility/2006" xmlns:a14="http://schemas.microsoft.com/office/drawing/2010/main">
+        <mc:Choice Requires="a14">
           <p:sp>
             <p:nvSpPr>
               <p:cNvPr id="32" name="Google Shape;32;p2"/>
@@ -4724,15 +4724,15 @@
                       <m:accPr>
                         <m:chr m:val="̅"/>
                         <m:ctrlPr>
-                          <a:rPr lang="en-US" altLang="ko-KR" sz="1600" dirty="0" smtClean="0">
-                            <a:latin typeface="+mj-lt"/>
+                          <a:rPr lang="en-US" altLang="ko-KR" sz="1600" i="1" dirty="0" smtClean="0">
+                            <a:latin typeface="Cambria Math" panose="02040503050406030204" pitchFamily="18" charset="0"/>
                           </a:rPr>
                         </m:ctrlPr>
                       </m:accPr>
                       <m:e>
                         <m:r>
                           <a:rPr lang="en-US" altLang="ko-KR" sz="1600" i="1" dirty="0">
-                            <a:latin typeface="+mj-lt"/>
+                            <a:latin typeface="Cambria Math" panose="02040503050406030204" pitchFamily="18" charset="0"/>
                           </a:rPr>
                           <m:t>𝑥</m:t>
                         </m:r>
@@ -4740,7 +4740,7 @@
                     </m:acc>
                     <m:r>
                       <a:rPr lang="en-US" altLang="ko-KR" sz="1600" b="0" i="1" dirty="0" smtClean="0">
-                        <a:latin typeface="+mj-lt"/>
+                        <a:latin typeface="Cambria Math" panose="02040503050406030204" pitchFamily="18" charset="0"/>
                       </a:rPr>
                       <m:t> :</m:t>
                     </m:r>
@@ -4765,7 +4765,7 @@
                     <m:f>
                       <m:fPr>
                         <m:ctrlPr>
-                          <a:rPr lang="en-US" altLang="ko-KR" sz="1600" dirty="0" smtClean="0">
+                          <a:rPr lang="en-US" altLang="ko-KR" sz="1600" i="1" dirty="0" smtClean="0">
                             <a:latin typeface="Cambria Math" panose="02040503050406030204" pitchFamily="18" charset="0"/>
                           </a:rPr>
                         </m:ctrlPr>
@@ -4944,7 +4944,7 @@
             </p:txBody>
           </p:sp>
         </mc:Choice>
-        <mc:Fallback>
+        <mc:Fallback xmlns="">
           <p:sp>
             <p:nvSpPr>
               <p:cNvPr id="32" name="Google Shape;32;p2"/>
